--- a/Projektvorbereitung/Projektvorbereitung.pptx
+++ b/Projektvorbereitung/Projektvorbereitung.pptx
@@ -3465,12 +3465,14 @@
         </p:nvSpPr>
         <p:spPr/>
         <p:txBody>
-          <a:bodyPr/>
+          <a:bodyPr>
+            <a:normAutofit/>
+          </a:bodyPr>
           <a:lstStyle/>
           <a:p>
             <a:r>
               <a:rPr lang="de-DE" dirty="0"/>
-              <a:t>Open-Source-Bibliothek „</a:t>
+              <a:t>JWT: „</a:t>
             </a:r>
             <a:r>
               <a:rPr lang="de-DE" dirty="0" err="1"/>
@@ -3487,9 +3489,6 @@
             <a:endParaRPr lang="de-DE" dirty="0"/>
           </a:p>
           <a:p>
-            <a:endParaRPr lang="de-DE" dirty="0"/>
-          </a:p>
-          <a:p>
             <a:r>
               <a:rPr lang="de-DE" dirty="0"/>
               <a:t>Analyse des Benutzerverhaltens</a:t>
@@ -3507,6 +3506,46 @@
             <a:r>
               <a:rPr lang="de-DE" dirty="0" err="1"/>
               <a:t>Hotjar</a:t>
+            </a:r>
+            <a:endParaRPr lang="de-DE" dirty="0"/>
+          </a:p>
+          <a:p>
+            <a:r>
+              <a:rPr lang="de-DE" dirty="0"/>
+              <a:t>MFA</a:t>
+            </a:r>
+          </a:p>
+          <a:p>
+            <a:pPr lvl="1"/>
+            <a:r>
+              <a:rPr lang="en-US" dirty="0"/>
+              <a:t>auth0: Push-MFA, OTP</a:t>
+            </a:r>
+          </a:p>
+          <a:p>
+            <a:pPr lvl="1"/>
+            <a:r>
+              <a:rPr lang="en-US" dirty="0"/>
+              <a:t>Spring Security: OTP</a:t>
+            </a:r>
+          </a:p>
+          <a:p>
+            <a:pPr lvl="1"/>
+            <a:r>
+              <a:rPr lang="en-US" dirty="0"/>
+              <a:t>Android Biometric API: </a:t>
+            </a:r>
+            <a:r>
+              <a:rPr lang="en-US" dirty="0" err="1"/>
+              <a:t>Fingerabdruck</a:t>
+            </a:r>
+            <a:r>
+              <a:rPr lang="en-US" dirty="0"/>
+              <a:t>, Iris, </a:t>
+            </a:r>
+            <a:r>
+              <a:rPr lang="en-US" dirty="0" err="1"/>
+              <a:t>Gesicht</a:t>
             </a:r>
             <a:endParaRPr lang="de-DE" dirty="0"/>
           </a:p>
@@ -3589,7 +3628,7 @@
         <p:spPr/>
         <p:txBody>
           <a:bodyPr>
-            <a:normAutofit fontScale="92500" lnSpcReduction="10000"/>
+            <a:normAutofit/>
           </a:bodyPr>
           <a:lstStyle/>
           <a:p>
@@ -3599,8 +3638,6 @@
               </a:rPr>
               <a:t>Gesamtes Frontend</a:t>
             </a:r>
-          </a:p>
-          <a:p>
             <a:endParaRPr lang="de-DE" sz="1800" dirty="0">
               <a:effectLst/>
               <a:latin typeface="Gill Sans MT (Textkörper)"/>
@@ -3616,8 +3653,6 @@
               </a:rPr>
               <a:t>Implementierung der Logik zur Verwaltung von Finanzen</a:t>
             </a:r>
-          </a:p>
-          <a:p>
             <a:endParaRPr lang="de-DE" dirty="0">
               <a:latin typeface="Gill Sans MT (Textkörper)"/>
             </a:endParaRPr>
@@ -3647,25 +3682,7 @@
               <a:rPr lang="de-DE" dirty="0">
                 <a:latin typeface="Gill Sans MT (Textkörper)"/>
               </a:rPr>
-              <a:t>Erstellen von Algorithmen </a:t>
-            </a:r>
-          </a:p>
-          <a:p>
-            <a:pPr lvl="3"/>
-            <a:r>
-              <a:rPr lang="de-DE" dirty="0">
-                <a:latin typeface="Gill Sans MT (Textkörper)"/>
-              </a:rPr>
-              <a:t>zur Analyse des Benutzerverhaltens</a:t>
-            </a:r>
-          </a:p>
-          <a:p>
-            <a:pPr lvl="3"/>
-            <a:r>
-              <a:rPr lang="de-DE" dirty="0">
-                <a:latin typeface="Gill Sans MT (Textkörper)"/>
-              </a:rPr>
-              <a:t>zur Bestimmung der Notwendigkeit von MFA</a:t>
+              <a:t>Entwickeln von Algorithmen die auf Basis von Analysen des Benutzerverhaltens Entscheidungen bezüglich der Verwendung von MFA treffen</a:t>
             </a:r>
           </a:p>
         </p:txBody>
@@ -4362,35 +4379,27 @@
         <p:spPr/>
         <p:txBody>
           <a:bodyPr>
-            <a:normAutofit fontScale="92500" lnSpcReduction="10000"/>
+            <a:normAutofit fontScale="92500"/>
           </a:bodyPr>
           <a:lstStyle/>
           <a:p>
             <a:r>
-              <a:rPr lang="de-DE" sz="2000" dirty="0">
+              <a:rPr lang="de-DE" dirty="0">
                 <a:effectLst/>
                 <a:latin typeface="Gill Sans MT (Textkörper)"/>
                 <a:ea typeface="Arial" panose="020B0604020202020204" pitchFamily="34" charset="0"/>
               </a:rPr>
-              <a:t>Fragestellung: </a:t>
-            </a:r>
-            <a:r>
-              <a:rPr lang="de-DE" sz="2000" i="1" dirty="0">
+              <a:t>Fragestellung:  </a:t>
+            </a:r>
+            <a:r>
+              <a:rPr lang="de-DE" i="1" dirty="0">
                 <a:effectLst/>
                 <a:latin typeface="Gill Sans MT (Textkörper)"/>
                 <a:ea typeface="Arial" panose="020B0604020202020204" pitchFamily="34" charset="0"/>
               </a:rPr>
-              <a:t>Wie kann die Authentifizierung in mobilen Anwendungen durch die Kombination von JSON Web Tokens (JWT), einer dynamischen Zugriffskontrolle und Multi-Faktor-Authentifizierung (MFA) verbessert werden?</a:t>
-            </a:r>
-            <a:r>
-              <a:rPr lang="de-DE" sz="2000" dirty="0">
-                <a:effectLst/>
-                <a:latin typeface="Gill Sans MT (Textkörper)"/>
-                <a:ea typeface="Arial" panose="020B0604020202020204" pitchFamily="34" charset="0"/>
-              </a:rPr>
-              <a:t> </a:t>
-            </a:r>
-            <a:endParaRPr lang="de-DE" dirty="0">
+              <a:t>„Wie kann die Sicherheit einer auf JSON Web Tokens basierten Authentifizierung in mobilen Anwendungen durch die Implementierung einer dynamischen Zugriffskontrolle und Multi-Faktor-Authentifizierung (MFA) verbessert werden?“</a:t>
+            </a:r>
+            <a:endParaRPr lang="de-DE" i="1" dirty="0">
               <a:latin typeface="Gill Sans MT (Textkörper)"/>
             </a:endParaRPr>
           </a:p>
@@ -4567,7 +4576,13 @@
           <a:p>
             <a:r>
               <a:rPr lang="de-DE" dirty="0"/>
-              <a:t>Finanzverwaltung und Datenvisualisierung</a:t>
+              <a:t>Finanzverwaltung</a:t>
+            </a:r>
+          </a:p>
+          <a:p>
+            <a:r>
+              <a:rPr lang="de-DE" dirty="0"/>
+              <a:t>Datenvisualisierung</a:t>
             </a:r>
           </a:p>
           <a:p>

--- a/Projektvorbereitung/Projektvorbereitung.pptx
+++ b/Projektvorbereitung/Projektvorbereitung.pptx
@@ -16,6 +16,8 @@
     <p:sldId id="261" r:id="rId10"/>
     <p:sldId id="265" r:id="rId11"/>
     <p:sldId id="264" r:id="rId12"/>
+    <p:sldId id="267" r:id="rId13"/>
+    <p:sldId id="268" r:id="rId14"/>
   </p:sldIdLst>
   <p:sldSz cx="12192000" cy="6858000"/>
   <p:notesSz cx="6858000" cy="9144000"/>
@@ -3700,6 +3702,172 @@
 </p:sld>
 </file>
 
+<file path=ppt/slides/slide12.xml><?xml version="1.0" encoding="utf-8"?>
+<p:sld xmlns:a="http://schemas.openxmlformats.org/drawingml/2006/main" xmlns:r="http://schemas.openxmlformats.org/officeDocument/2006/relationships" xmlns:p="http://schemas.openxmlformats.org/presentationml/2006/main">
+  <p:cSld>
+    <p:spTree>
+      <p:nvGrpSpPr>
+        <p:cNvPr id="1" name=""/>
+        <p:cNvGrpSpPr/>
+        <p:nvPr/>
+      </p:nvGrpSpPr>
+      <p:grpSpPr>
+        <a:xfrm>
+          <a:off x="0" y="0"/>
+          <a:ext cx="0" cy="0"/>
+          <a:chOff x="0" y="0"/>
+          <a:chExt cx="0" cy="0"/>
+        </a:xfrm>
+      </p:grpSpPr>
+      <p:sp>
+        <p:nvSpPr>
+          <p:cNvPr id="2" name="Titel 1">
+            <a:extLst>
+              <a:ext uri="{FF2B5EF4-FFF2-40B4-BE49-F238E27FC236}">
+                <a16:creationId xmlns:a16="http://schemas.microsoft.com/office/drawing/2014/main" id="{D6B2F3CC-AF0D-2FD9-2A38-0949B8CDFF59}"/>
+              </a:ext>
+            </a:extLst>
+          </p:cNvPr>
+          <p:cNvSpPr>
+            <a:spLocks noGrp="1"/>
+          </p:cNvSpPr>
+          <p:nvPr>
+            <p:ph type="title"/>
+          </p:nvPr>
+        </p:nvSpPr>
+        <p:spPr/>
+        <p:txBody>
+          <a:bodyPr/>
+          <a:lstStyle/>
+          <a:p>
+            <a:r>
+              <a:rPr lang="de-DE" dirty="0"/>
+              <a:t>Szenario</a:t>
+            </a:r>
+          </a:p>
+        </p:txBody>
+      </p:sp>
+      <p:sp>
+        <p:nvSpPr>
+          <p:cNvPr id="3" name="Inhaltsplatzhalter 2">
+            <a:extLst>
+              <a:ext uri="{FF2B5EF4-FFF2-40B4-BE49-F238E27FC236}">
+                <a16:creationId xmlns:a16="http://schemas.microsoft.com/office/drawing/2014/main" id="{D692C9C1-1199-A29E-9F59-054C734C241E}"/>
+              </a:ext>
+            </a:extLst>
+          </p:cNvPr>
+          <p:cNvSpPr>
+            <a:spLocks noGrp="1"/>
+          </p:cNvSpPr>
+          <p:nvPr>
+            <p:ph idx="1"/>
+          </p:nvPr>
+        </p:nvSpPr>
+        <p:spPr/>
+        <p:txBody>
+          <a:bodyPr/>
+          <a:lstStyle/>
+          <a:p>
+            <a:endParaRPr lang="de-DE" dirty="0"/>
+          </a:p>
+        </p:txBody>
+      </p:sp>
+    </p:spTree>
+    <p:extLst>
+      <p:ext uri="{BB962C8B-B14F-4D97-AF65-F5344CB8AC3E}">
+        <p14:creationId xmlns:p14="http://schemas.microsoft.com/office/powerpoint/2010/main" val="230732061"/>
+      </p:ext>
+    </p:extLst>
+  </p:cSld>
+  <p:clrMapOvr>
+    <a:masterClrMapping/>
+  </p:clrMapOvr>
+</p:sld>
+</file>
+
+<file path=ppt/slides/slide13.xml><?xml version="1.0" encoding="utf-8"?>
+<p:sld xmlns:a="http://schemas.openxmlformats.org/drawingml/2006/main" xmlns:r="http://schemas.openxmlformats.org/officeDocument/2006/relationships" xmlns:p="http://schemas.openxmlformats.org/presentationml/2006/main">
+  <p:cSld>
+    <p:spTree>
+      <p:nvGrpSpPr>
+        <p:cNvPr id="1" name=""/>
+        <p:cNvGrpSpPr/>
+        <p:nvPr/>
+      </p:nvGrpSpPr>
+      <p:grpSpPr>
+        <a:xfrm>
+          <a:off x="0" y="0"/>
+          <a:ext cx="0" cy="0"/>
+          <a:chOff x="0" y="0"/>
+          <a:chExt cx="0" cy="0"/>
+        </a:xfrm>
+      </p:grpSpPr>
+      <p:sp>
+        <p:nvSpPr>
+          <p:cNvPr id="2" name="Titel 1">
+            <a:extLst>
+              <a:ext uri="{FF2B5EF4-FFF2-40B4-BE49-F238E27FC236}">
+                <a16:creationId xmlns:a16="http://schemas.microsoft.com/office/drawing/2014/main" id="{C3872F0D-4E0B-E9DF-931D-26769B279528}"/>
+              </a:ext>
+            </a:extLst>
+          </p:cNvPr>
+          <p:cNvSpPr>
+            <a:spLocks noGrp="1"/>
+          </p:cNvSpPr>
+          <p:nvPr>
+            <p:ph type="title"/>
+          </p:nvPr>
+        </p:nvSpPr>
+        <p:spPr/>
+        <p:txBody>
+          <a:bodyPr/>
+          <a:lstStyle/>
+          <a:p>
+            <a:r>
+              <a:rPr lang="de-DE" dirty="0"/>
+              <a:t>Szenario</a:t>
+            </a:r>
+          </a:p>
+        </p:txBody>
+      </p:sp>
+      <p:sp>
+        <p:nvSpPr>
+          <p:cNvPr id="3" name="Inhaltsplatzhalter 2">
+            <a:extLst>
+              <a:ext uri="{FF2B5EF4-FFF2-40B4-BE49-F238E27FC236}">
+                <a16:creationId xmlns:a16="http://schemas.microsoft.com/office/drawing/2014/main" id="{CAA8D718-CA9A-4205-80A3-DAC5DB0717F9}"/>
+              </a:ext>
+            </a:extLst>
+          </p:cNvPr>
+          <p:cNvSpPr>
+            <a:spLocks noGrp="1"/>
+          </p:cNvSpPr>
+          <p:nvPr>
+            <p:ph idx="1"/>
+          </p:nvPr>
+        </p:nvSpPr>
+        <p:spPr/>
+        <p:txBody>
+          <a:bodyPr/>
+          <a:lstStyle/>
+          <a:p>
+            <a:endParaRPr lang="de-DE"/>
+          </a:p>
+        </p:txBody>
+      </p:sp>
+    </p:spTree>
+    <p:extLst>
+      <p:ext uri="{BB962C8B-B14F-4D97-AF65-F5344CB8AC3E}">
+        <p14:creationId xmlns:p14="http://schemas.microsoft.com/office/powerpoint/2010/main" val="352792552"/>
+      </p:ext>
+    </p:extLst>
+  </p:cSld>
+  <p:clrMapOvr>
+    <a:masterClrMapping/>
+  </p:clrMapOvr>
+</p:sld>
+</file>
+
 <file path=ppt/slides/slide2.xml><?xml version="1.0" encoding="utf-8"?>
 <p:sld xmlns:a="http://schemas.openxmlformats.org/drawingml/2006/main" xmlns:r="http://schemas.openxmlformats.org/officeDocument/2006/relationships" xmlns:p="http://schemas.openxmlformats.org/presentationml/2006/main">
   <p:cSld>
@@ -4153,6 +4321,15 @@
         <p:txBody>
           <a:bodyPr/>
           <a:lstStyle/>
+          <a:p>
+            <a:pPr marL="0" indent="0">
+              <a:buNone/>
+            </a:pPr>
+            <a:r>
+              <a:rPr lang="de-DE" b="1" dirty="0"/>
+              <a:t>Milestones</a:t>
+            </a:r>
+          </a:p>
           <a:p>
             <a:pPr marL="342900" indent="-342900">
               <a:buFont typeface="+mj-lt"/>

--- a/Projektvorbereitung/Projektvorbereitung.pptx
+++ b/Projektvorbereitung/Projektvorbereitung.pptx
@@ -287,7 +287,7 @@
           <a:p>
             <a:fld id="{2D59F9E7-9B9C-4806-AC15-469D2C7DF5B1}" type="datetimeFigureOut">
               <a:rPr lang="de-DE" smtClean="0"/>
-              <a:t>10.12.2024</a:t>
+              <a:t>11.12.2024</a:t>
             </a:fld>
             <a:endParaRPr lang="de-DE"/>
           </a:p>
@@ -457,7 +457,7 @@
           <a:p>
             <a:fld id="{2D59F9E7-9B9C-4806-AC15-469D2C7DF5B1}" type="datetimeFigureOut">
               <a:rPr lang="de-DE" smtClean="0"/>
-              <a:t>10.12.2024</a:t>
+              <a:t>11.12.2024</a:t>
             </a:fld>
             <a:endParaRPr lang="de-DE"/>
           </a:p>
@@ -637,7 +637,7 @@
           <a:p>
             <a:fld id="{2D59F9E7-9B9C-4806-AC15-469D2C7DF5B1}" type="datetimeFigureOut">
               <a:rPr lang="de-DE" smtClean="0"/>
-              <a:t>10.12.2024</a:t>
+              <a:t>11.12.2024</a:t>
             </a:fld>
             <a:endParaRPr lang="de-DE"/>
           </a:p>
@@ -807,7 +807,7 @@
           <a:p>
             <a:fld id="{2D59F9E7-9B9C-4806-AC15-469D2C7DF5B1}" type="datetimeFigureOut">
               <a:rPr lang="de-DE" smtClean="0"/>
-              <a:t>10.12.2024</a:t>
+              <a:t>11.12.2024</a:t>
             </a:fld>
             <a:endParaRPr lang="de-DE"/>
           </a:p>
@@ -1075,7 +1075,7 @@
           <a:p>
             <a:fld id="{2D59F9E7-9B9C-4806-AC15-469D2C7DF5B1}" type="datetimeFigureOut">
               <a:rPr lang="de-DE" smtClean="0"/>
-              <a:t>10.12.2024</a:t>
+              <a:t>11.12.2024</a:t>
             </a:fld>
             <a:endParaRPr lang="de-DE"/>
           </a:p>
@@ -1307,7 +1307,7 @@
           <a:p>
             <a:fld id="{2D59F9E7-9B9C-4806-AC15-469D2C7DF5B1}" type="datetimeFigureOut">
               <a:rPr lang="de-DE" smtClean="0"/>
-              <a:t>10.12.2024</a:t>
+              <a:t>11.12.2024</a:t>
             </a:fld>
             <a:endParaRPr lang="de-DE"/>
           </a:p>
@@ -1666,7 +1666,7 @@
           <a:p>
             <a:fld id="{2D59F9E7-9B9C-4806-AC15-469D2C7DF5B1}" type="datetimeFigureOut">
               <a:rPr lang="de-DE" smtClean="0"/>
-              <a:t>10.12.2024</a:t>
+              <a:t>11.12.2024</a:t>
             </a:fld>
             <a:endParaRPr lang="de-DE"/>
           </a:p>
@@ -1807,7 +1807,7 @@
           <a:p>
             <a:fld id="{2D59F9E7-9B9C-4806-AC15-469D2C7DF5B1}" type="datetimeFigureOut">
               <a:rPr lang="de-DE" smtClean="0"/>
-              <a:t>10.12.2024</a:t>
+              <a:t>11.12.2024</a:t>
             </a:fld>
             <a:endParaRPr lang="de-DE"/>
           </a:p>
@@ -1902,7 +1902,7 @@
           <a:p>
             <a:fld id="{2D59F9E7-9B9C-4806-AC15-469D2C7DF5B1}" type="datetimeFigureOut">
               <a:rPr lang="de-DE" smtClean="0"/>
-              <a:t>10.12.2024</a:t>
+              <a:t>11.12.2024</a:t>
             </a:fld>
             <a:endParaRPr lang="de-DE"/>
           </a:p>
@@ -2259,7 +2259,7 @@
           <a:p>
             <a:fld id="{2D59F9E7-9B9C-4806-AC15-469D2C7DF5B1}" type="datetimeFigureOut">
               <a:rPr lang="de-DE" smtClean="0"/>
-              <a:t>10.12.2024</a:t>
+              <a:t>11.12.2024</a:t>
             </a:fld>
             <a:endParaRPr lang="de-DE"/>
           </a:p>
@@ -2616,7 +2616,7 @@
           <a:p>
             <a:fld id="{2D59F9E7-9B9C-4806-AC15-469D2C7DF5B1}" type="datetimeFigureOut">
               <a:rPr lang="de-DE" smtClean="0"/>
-              <a:t>10.12.2024</a:t>
+              <a:t>11.12.2024</a:t>
             </a:fld>
             <a:endParaRPr lang="de-DE"/>
           </a:p>
@@ -2858,7 +2858,7 @@
           <a:p>
             <a:fld id="{2D59F9E7-9B9C-4806-AC15-469D2C7DF5B1}" type="datetimeFigureOut">
               <a:rPr lang="de-DE" smtClean="0"/>
-              <a:t>10.12.2024</a:t>
+              <a:t>11.12.2024</a:t>
             </a:fld>
             <a:endParaRPr lang="de-DE"/>
           </a:p>
@@ -3742,7 +3742,7 @@
           <a:p>
             <a:r>
               <a:rPr lang="de-DE" dirty="0"/>
-              <a:t>Szenario</a:t>
+              <a:t>Szenario: Regelmäßige Anmeldungen</a:t>
             </a:r>
           </a:p>
         </p:txBody>
@@ -3768,6 +3768,30 @@
           <a:bodyPr/>
           <a:lstStyle/>
           <a:p>
+            <a:r>
+              <a:rPr lang="de-DE" dirty="0"/>
+              <a:t>Der Benutzer meldet sich regelmäßig mit demselben Gerät an</a:t>
+            </a:r>
+          </a:p>
+          <a:p>
+            <a:r>
+              <a:rPr lang="de-DE" dirty="0"/>
+              <a:t>System erkennt das die Anmeldung nicht ungewöhnlich ist</a:t>
+            </a:r>
+          </a:p>
+          <a:p>
+            <a:r>
+              <a:rPr lang="de-DE" dirty="0"/>
+              <a:t>Adaptive MFA: Entweder keine MFA notwendig oder benutzerfreundliche Methode, wie Push-Benachrichtigung zur Bestätigung</a:t>
+            </a:r>
+          </a:p>
+          <a:p>
+            <a:endParaRPr lang="de-DE" dirty="0"/>
+          </a:p>
+          <a:p>
+            <a:pPr marL="0" indent="0">
+              <a:buNone/>
+            </a:pPr>
             <a:endParaRPr lang="de-DE" dirty="0"/>
           </a:p>
         </p:txBody>
@@ -3825,8 +3849,13 @@
           <a:p>
             <a:r>
               <a:rPr lang="de-DE" dirty="0"/>
-              <a:t>Szenario</a:t>
-            </a:r>
+              <a:t>Szenario: Verdächtige </a:t>
+            </a:r>
+            <a:r>
+              <a:rPr lang="de-DE" dirty="0" err="1"/>
+              <a:t>anmeldeaktivität</a:t>
+            </a:r>
+            <a:endParaRPr lang="de-DE" dirty="0"/>
           </a:p>
         </p:txBody>
       </p:sp>
@@ -3851,7 +3880,30 @@
           <a:bodyPr/>
           <a:lstStyle/>
           <a:p>
-            <a:endParaRPr lang="de-DE"/>
+            <a:r>
+              <a:rPr lang="de-DE" dirty="0"/>
+              <a:t>Benutzer meldet sich von unbekanntem Standort oder mit verdächtiger IP-Adresse an</a:t>
+            </a:r>
+          </a:p>
+          <a:p>
+            <a:r>
+              <a:rPr lang="de-DE" dirty="0"/>
+              <a:t>Wird vom System als ungewöhnlich erkannt (Analyse Benutzerverhalten, Kontext)</a:t>
+            </a:r>
+          </a:p>
+          <a:p>
+            <a:r>
+              <a:rPr lang="de-DE" dirty="0"/>
+              <a:t>Adaptive MFA: </a:t>
+            </a:r>
+            <a:r>
+              <a:rPr lang="de-DE" dirty="0" err="1"/>
+              <a:t>z.B</a:t>
+            </a:r>
+            <a:r>
+              <a:rPr lang="de-DE" dirty="0"/>
+              <a:t> zusätzliche Sicherheitsfragen</a:t>
+            </a:r>
           </a:p>
         </p:txBody>
       </p:sp>
@@ -3978,6 +4030,16 @@
             <a:r>
               <a:rPr lang="de-DE" dirty="0"/>
               <a:t>Implementierung</a:t>
+            </a:r>
+          </a:p>
+          <a:p>
+            <a:pPr marL="342900" indent="-342900">
+              <a:buFont typeface="+mj-lt"/>
+              <a:buAutoNum type="arabicPeriod"/>
+            </a:pPr>
+            <a:r>
+              <a:rPr lang="de-DE" dirty="0"/>
+              <a:t>Szenario</a:t>
             </a:r>
           </a:p>
           <a:p>
@@ -4452,10 +4514,10 @@
       </p:sp>
       <p:pic>
         <p:nvPicPr>
-          <p:cNvPr id="5" name="Inhaltsplatzhalter 4">
+          <p:cNvPr id="12" name="Inhaltsplatzhalter 11">
             <a:extLst>
               <a:ext uri="{FF2B5EF4-FFF2-40B4-BE49-F238E27FC236}">
-                <a16:creationId xmlns:a16="http://schemas.microsoft.com/office/drawing/2014/main" id="{339BC553-A8AB-86A1-10FB-2AE5CF7A20DB}"/>
+                <a16:creationId xmlns:a16="http://schemas.microsoft.com/office/drawing/2014/main" id="{FEE7B396-216B-7C79-5A1F-1ACCAF43B3B4}"/>
               </a:ext>
             </a:extLst>
           </p:cNvPr>
@@ -4474,8 +4536,8 @@
         </p:blipFill>
         <p:spPr>
           <a:xfrm>
-            <a:off x="1422400" y="346017"/>
-            <a:ext cx="9509760" cy="6291630"/>
+            <a:off x="875688" y="115885"/>
+            <a:ext cx="10679617" cy="6742115"/>
           </a:xfrm>
         </p:spPr>
       </p:pic>
